--- a/lectures/16.mvxx/mvxx.pptx
+++ b/lectures/16.mvxx/mvxx.pptx
@@ -266,7 +266,7 @@
           <a:p>
             <a:fld id="{2F3DCB6D-0B48-4A3D-B663-06C3F903A9D3}" type="datetimeFigureOut">
               <a:rPr lang="ru-RU" smtClean="0"/>
-              <a:t>06.12.2018</a:t>
+              <a:t>22.04.2019</a:t>
             </a:fld>
             <a:endParaRPr lang="ru-RU"/>
           </a:p>
@@ -863,7 +863,7 @@
           <a:p>
             <a:fld id="{2590F9C9-AB92-4E86-B698-DEC9BF4350FF}" type="datetimeFigureOut">
               <a:rPr lang="ru-RU" smtClean="0"/>
-              <a:t>06.12.2018</a:t>
+              <a:t>22.04.2019</a:t>
             </a:fld>
             <a:endParaRPr lang="ru-RU"/>
           </a:p>
@@ -1080,7 +1080,7 @@
           <a:p>
             <a:fld id="{2590F9C9-AB92-4E86-B698-DEC9BF4350FF}" type="datetimeFigureOut">
               <a:rPr lang="ru-RU" smtClean="0"/>
-              <a:t>06.12.2018</a:t>
+              <a:t>22.04.2019</a:t>
             </a:fld>
             <a:endParaRPr lang="ru-RU"/>
           </a:p>
@@ -1352,7 +1352,7 @@
           <a:p>
             <a:fld id="{2590F9C9-AB92-4E86-B698-DEC9BF4350FF}" type="datetimeFigureOut">
               <a:rPr lang="ru-RU" smtClean="0"/>
-              <a:t>06.12.2018</a:t>
+              <a:t>22.04.2019</a:t>
             </a:fld>
             <a:endParaRPr lang="ru-RU"/>
           </a:p>
@@ -1527,7 +1527,7 @@
           <a:p>
             <a:fld id="{2590F9C9-AB92-4E86-B698-DEC9BF4350FF}" type="datetimeFigureOut">
               <a:rPr lang="ru-RU" smtClean="0"/>
-              <a:t>06.12.2018</a:t>
+              <a:t>22.04.2019</a:t>
             </a:fld>
             <a:endParaRPr lang="ru-RU"/>
           </a:p>
@@ -1881,7 +1881,7 @@
           <a:p>
             <a:fld id="{2590F9C9-AB92-4E86-B698-DEC9BF4350FF}" type="datetimeFigureOut">
               <a:rPr lang="ru-RU" smtClean="0"/>
-              <a:t>06.12.2018</a:t>
+              <a:t>22.04.2019</a:t>
             </a:fld>
             <a:endParaRPr lang="ru-RU"/>
           </a:p>
@@ -2166,7 +2166,7 @@
           <a:p>
             <a:fld id="{2590F9C9-AB92-4E86-B698-DEC9BF4350FF}" type="datetimeFigureOut">
               <a:rPr lang="ru-RU" smtClean="0"/>
-              <a:t>06.12.2018</a:t>
+              <a:t>22.04.2019</a:t>
             </a:fld>
             <a:endParaRPr lang="ru-RU"/>
           </a:p>
@@ -2588,7 +2588,7 @@
           <a:p>
             <a:fld id="{2590F9C9-AB92-4E86-B698-DEC9BF4350FF}" type="datetimeFigureOut">
               <a:rPr lang="ru-RU" smtClean="0"/>
-              <a:t>06.12.2018</a:t>
+              <a:t>22.04.2019</a:t>
             </a:fld>
             <a:endParaRPr lang="ru-RU"/>
           </a:p>
@@ -2701,7 +2701,7 @@
           <a:p>
             <a:fld id="{2590F9C9-AB92-4E86-B698-DEC9BF4350FF}" type="datetimeFigureOut">
               <a:rPr lang="ru-RU" smtClean="0"/>
-              <a:t>06.12.2018</a:t>
+              <a:t>22.04.2019</a:t>
             </a:fld>
             <a:endParaRPr lang="ru-RU"/>
           </a:p>
@@ -2791,7 +2791,7 @@
           <a:p>
             <a:fld id="{2590F9C9-AB92-4E86-B698-DEC9BF4350FF}" type="datetimeFigureOut">
               <a:rPr lang="ru-RU" smtClean="0"/>
-              <a:t>06.12.2018</a:t>
+              <a:t>22.04.2019</a:t>
             </a:fld>
             <a:endParaRPr lang="ru-RU"/>
           </a:p>
@@ -3069,7 +3069,7 @@
           <a:p>
             <a:fld id="{2590F9C9-AB92-4E86-B698-DEC9BF4350FF}" type="datetimeFigureOut">
               <a:rPr lang="ru-RU" smtClean="0"/>
-              <a:t>06.12.2018</a:t>
+              <a:t>22.04.2019</a:t>
             </a:fld>
             <a:endParaRPr lang="ru-RU"/>
           </a:p>
@@ -3431,7 +3431,7 @@
           <a:p>
             <a:fld id="{2590F9C9-AB92-4E86-B698-DEC9BF4350FF}" type="datetimeFigureOut">
               <a:rPr lang="ru-RU" smtClean="0"/>
-              <a:t>06.12.2018</a:t>
+              <a:t>22.04.2019</a:t>
             </a:fld>
             <a:endParaRPr lang="ru-RU"/>
           </a:p>
@@ -3856,7 +3856,7 @@
           <a:p>
             <a:fld id="{2590F9C9-AB92-4E86-B698-DEC9BF4350FF}" type="datetimeFigureOut">
               <a:rPr lang="ru-RU" smtClean="0"/>
-              <a:t>06.12.2018</a:t>
+              <a:t>22.04.2019</a:t>
             </a:fld>
             <a:endParaRPr lang="ru-RU"/>
           </a:p>
@@ -13204,12 +13204,16 @@
               <a:t> (</a:t>
             </a:r>
             <a:r>
-              <a:rPr lang="ru-RU" dirty="0" err="1" smtClean="0"/>
-              <a:t>автоновный</a:t>
-            </a:r>
-            <a:r>
               <a:rPr lang="ru-RU" dirty="0" smtClean="0"/>
-              <a:t> </a:t>
+              <a:t>автоно</a:t>
+            </a:r>
+            <a:r>
+              <a:rPr lang="ru-RU" dirty="0"/>
+              <a:t>м</a:t>
+            </a:r>
+            <a:r>
+              <a:rPr lang="ru-RU" dirty="0" smtClean="0"/>
+              <a:t>ный </a:t>
             </a:r>
             <a:r>
               <a:rPr lang="en-US" dirty="0" smtClean="0"/>
@@ -13399,11 +13403,7 @@
             <a:pPr lvl="1"/>
             <a:r>
               <a:rPr lang="ru-RU" dirty="0" smtClean="0"/>
-              <a:t>Традиционный подход к построению </a:t>
-            </a:r>
-            <a:r>
-              <a:rPr lang="ru-RU" dirty="0" smtClean="0"/>
-              <a:t>модели</a:t>
+              <a:t>Традиционный подход к построению модели</a:t>
             </a:r>
           </a:p>
           <a:p>
@@ -13612,7 +13612,15 @@
             </a:r>
             <a:r>
               <a:rPr lang="ru-RU" dirty="0" smtClean="0"/>
-              <a:t>, когда изменении модели со стороны разных контроллеров</a:t>
+              <a:t>, </a:t>
+            </a:r>
+            <a:r>
+              <a:rPr lang="ru-RU" dirty="0" smtClean="0"/>
+              <a:t>при </a:t>
+            </a:r>
+            <a:r>
+              <a:rPr lang="ru-RU" dirty="0" smtClean="0"/>
+              <a:t>изменении модели со стороны разных контроллеров</a:t>
             </a:r>
           </a:p>
           <a:p>
@@ -14153,8 +14161,12 @@
           </a:p>
           <a:p>
             <a:r>
+              <a:rPr lang="ru-RU" smtClean="0"/>
+              <a:t>Операции, </a:t>
+            </a:r>
+            <a:r>
               <a:rPr lang="ru-RU" dirty="0" smtClean="0"/>
-              <a:t>Операций, изменяющие состояние модели, делегируются Контроллеру</a:t>
+              <a:t>изменяющие состояние модели, делегируются Контроллеру</a:t>
             </a:r>
           </a:p>
         </p:txBody>
@@ -18319,22 +18331,14 @@
             </a:r>
             <a:r>
               <a:rPr lang="ru-RU" dirty="0" smtClean="0"/>
-              <a:t>об изменения в </a:t>
-            </a:r>
+              <a:t>об изменения в модели</a:t>
+            </a:r>
+          </a:p>
+          <a:p>
+            <a:pPr lvl="1"/>
             <a:r>
               <a:rPr lang="ru-RU" dirty="0" smtClean="0"/>
-              <a:t>модели</a:t>
-            </a:r>
-          </a:p>
-          <a:p>
-            <a:pPr lvl="1"/>
-            <a:r>
-              <a:rPr lang="ru-RU" dirty="0" smtClean="0"/>
-              <a:t>Обновляет </a:t>
-            </a:r>
-            <a:r>
-              <a:rPr lang="ru-RU" dirty="0" smtClean="0"/>
-              <a:t>модель в ответ на события от </a:t>
+              <a:t>Обновляет модель в ответ на события от </a:t>
             </a:r>
             <a:r>
               <a:rPr lang="en-US" dirty="0" smtClean="0"/>
@@ -19812,15 +19816,7 @@
           <a:p>
             <a:r>
               <a:rPr lang="ru-RU" dirty="0" smtClean="0"/>
-              <a:t>Стоимость</a:t>
-            </a:r>
-            <a:r>
-              <a:rPr lang="ru-RU" dirty="0" smtClean="0"/>
-              <a:t> </a:t>
-            </a:r>
-            <a:r>
-              <a:rPr lang="ru-RU" dirty="0" smtClean="0"/>
-              <a:t>– более сложное решение</a:t>
+              <a:t>Стоимость – более сложное решение</a:t>
             </a:r>
             <a:endParaRPr lang="ru-RU" dirty="0"/>
           </a:p>
@@ -20742,13 +20738,13 @@
 
 <file path=customXml/item1.xml><?xml version="1.0" encoding="utf-8"?>
 <Control xmlns="http://schemas.microsoft.com/VisualStudio/2011/storyboarding/control">
-  <Id Name="System.Storyboarding.Common.TextInput" Revision="1" Stencil="System.Storyboarding.Common" StencilVersion="0.1"/>
+  <Id Name="System.Storyboarding.Common.Text" Revision="1" Stencil="System.Storyboarding.Common" StencilVersion="0.1"/>
 </Control>
 </file>
 
 <file path=customXml/item2.xml><?xml version="1.0" encoding="utf-8"?>
 <Control xmlns="http://schemas.microsoft.com/VisualStudio/2011/storyboarding/control">
-  <Id Name="System.Storyboarding.Backgrounds.Window" Revision="1" Stencil="System.Storyboarding.Backgrounds" StencilVersion="0.1"/>
+  <Id Name="System.Storyboarding.Common.Text" Revision="1" Stencil="System.Storyboarding.Common" StencilVersion="0.1"/>
 </Control>
 </file>
 
@@ -20772,13 +20768,13 @@
 
 <file path=customXml/item6.xml><?xml version="1.0" encoding="utf-8"?>
 <Control xmlns="http://schemas.microsoft.com/VisualStudio/2011/storyboarding/control">
-  <Id Name="System.Storyboarding.Common.Text" Revision="1" Stencil="System.Storyboarding.Common" StencilVersion="0.1"/>
+  <Id Name="System.Storyboarding.Common.TextInput" Revision="1" Stencil="System.Storyboarding.Common" StencilVersion="0.1"/>
 </Control>
 </file>
 
 <file path=customXml/item7.xml><?xml version="1.0" encoding="utf-8"?>
 <Control xmlns="http://schemas.microsoft.com/VisualStudio/2011/storyboarding/control">
-  <Id Name="System.Storyboarding.Common.Text" Revision="1" Stencil="System.Storyboarding.Common" StencilVersion="0.1"/>
+  <Id Name="System.Storyboarding.Common.TextInput" Revision="1" Stencil="System.Storyboarding.Common" StencilVersion="0.1"/>
 </Control>
 </file>
 
@@ -20790,12 +20786,12 @@
 
 <file path=customXml/item9.xml><?xml version="1.0" encoding="utf-8"?>
 <Control xmlns="http://schemas.microsoft.com/VisualStudio/2011/storyboarding/control">
-  <Id Name="System.Storyboarding.Common.TextInput" Revision="1" Stencil="System.Storyboarding.Common" StencilVersion="0.1"/>
+  <Id Name="System.Storyboarding.Backgrounds.Window" Revision="1" Stencil="System.Storyboarding.Backgrounds" StencilVersion="0.1"/>
 </Control>
 </file>
 
 <file path=customXml/itemProps1.xml><?xml version="1.0" encoding="utf-8"?>
-<ds:datastoreItem xmlns:ds="http://schemas.openxmlformats.org/officeDocument/2006/customXml" ds:itemID="{425F175B-3530-4A4B-926B-CB7170700CBF}">
+<ds:datastoreItem xmlns:ds="http://schemas.openxmlformats.org/officeDocument/2006/customXml" ds:itemID="{8F525B19-BA52-4B0B-AC85-084E0FF3E37E}">
   <ds:schemaRefs>
     <ds:schemaRef ds:uri="http://schemas.microsoft.com/VisualStudio/2011/storyboarding/control"/>
   </ds:schemaRefs>
@@ -20803,7 +20799,7 @@
 </file>
 
 <file path=customXml/itemProps2.xml><?xml version="1.0" encoding="utf-8"?>
-<ds:datastoreItem xmlns:ds="http://schemas.openxmlformats.org/officeDocument/2006/customXml" ds:itemID="{54EBA524-2760-42B5-B6ED-80AA7A8E66FF}">
+<ds:datastoreItem xmlns:ds="http://schemas.openxmlformats.org/officeDocument/2006/customXml" ds:itemID="{FAE8ECFE-A746-4CED-8EC6-FB25DA17D2C8}">
   <ds:schemaRefs>
     <ds:schemaRef ds:uri="http://schemas.microsoft.com/VisualStudio/2011/storyboarding/control"/>
   </ds:schemaRefs>
@@ -20819,6 +20815,22 @@
 </file>
 
 <file path=customXml/itemProps4.xml><?xml version="1.0" encoding="utf-8"?>
+<ds:datastoreItem xmlns:ds="http://schemas.openxmlformats.org/officeDocument/2006/customXml" ds:itemID="{425F175B-3530-4A4B-926B-CB7170700CBF}">
+  <ds:schemaRefs>
+    <ds:schemaRef ds:uri="http://schemas.microsoft.com/VisualStudio/2011/storyboarding/control"/>
+  </ds:schemaRefs>
+</ds:datastoreItem>
+</file>
+
+<file path=customXml/itemProps5.xml><?xml version="1.0" encoding="utf-8"?>
+<ds:datastoreItem xmlns:ds="http://schemas.openxmlformats.org/officeDocument/2006/customXml" ds:itemID="{F0C7AE7B-513B-452E-8E39-1FB70E99A509}">
+  <ds:schemaRefs>
+    <ds:schemaRef ds:uri="http://schemas.microsoft.com/VisualStudio/2011/storyboarding/control"/>
+  </ds:schemaRefs>
+</ds:datastoreItem>
+</file>
+
+<file path=customXml/itemProps6.xml><?xml version="1.0" encoding="utf-8"?>
 <ds:datastoreItem xmlns:ds="http://schemas.openxmlformats.org/officeDocument/2006/customXml" ds:itemID="{1B9DC17B-761D-47FA-A3C0-E53584C6A4A6}">
   <ds:schemaRefs>
     <ds:schemaRef ds:uri="http://schemas.microsoft.com/VisualStudio/2011/storyboarding/control"/>
@@ -20826,23 +20838,15 @@
 </ds:datastoreItem>
 </file>
 
-<file path=customXml/itemProps5.xml><?xml version="1.0" encoding="utf-8"?>
-<ds:datastoreItem xmlns:ds="http://schemas.openxmlformats.org/officeDocument/2006/customXml" ds:itemID="{8F525B19-BA52-4B0B-AC85-084E0FF3E37E}">
+<file path=customXml/itemProps7.xml><?xml version="1.0" encoding="utf-8"?>
+<ds:datastoreItem xmlns:ds="http://schemas.openxmlformats.org/officeDocument/2006/customXml" ds:itemID="{A8016BC2-1C33-498E-A9F9-5B817A65B8AA}">
   <ds:schemaRefs>
     <ds:schemaRef ds:uri="http://schemas.microsoft.com/VisualStudio/2011/storyboarding/control"/>
   </ds:schemaRefs>
 </ds:datastoreItem>
 </file>
 
-<file path=customXml/itemProps6.xml><?xml version="1.0" encoding="utf-8"?>
-<ds:datastoreItem xmlns:ds="http://schemas.openxmlformats.org/officeDocument/2006/customXml" ds:itemID="{F0C7AE7B-513B-452E-8E39-1FB70E99A509}">
-  <ds:schemaRefs>
-    <ds:schemaRef ds:uri="http://schemas.microsoft.com/VisualStudio/2011/storyboarding/control"/>
-  </ds:schemaRefs>
-</ds:datastoreItem>
-</file>
-
-<file path=customXml/itemProps7.xml><?xml version="1.0" encoding="utf-8"?>
+<file path=customXml/itemProps8.xml><?xml version="1.0" encoding="utf-8"?>
 <ds:datastoreItem xmlns:ds="http://schemas.openxmlformats.org/officeDocument/2006/customXml" ds:itemID="{E1DD6387-A549-483B-9966-FFE705E0180B}">
   <ds:schemaRefs>
     <ds:schemaRef ds:uri="http://schemas.microsoft.com/VisualStudio/2011/storyboarding/control"/>
@@ -20850,16 +20854,8 @@
 </ds:datastoreItem>
 </file>
 
-<file path=customXml/itemProps8.xml><?xml version="1.0" encoding="utf-8"?>
-<ds:datastoreItem xmlns:ds="http://schemas.openxmlformats.org/officeDocument/2006/customXml" ds:itemID="{FAE8ECFE-A746-4CED-8EC6-FB25DA17D2C8}">
-  <ds:schemaRefs>
-    <ds:schemaRef ds:uri="http://schemas.microsoft.com/VisualStudio/2011/storyboarding/control"/>
-  </ds:schemaRefs>
-</ds:datastoreItem>
-</file>
-
 <file path=customXml/itemProps9.xml><?xml version="1.0" encoding="utf-8"?>
-<ds:datastoreItem xmlns:ds="http://schemas.openxmlformats.org/officeDocument/2006/customXml" ds:itemID="{A8016BC2-1C33-498E-A9F9-5B817A65B8AA}">
+<ds:datastoreItem xmlns:ds="http://schemas.openxmlformats.org/officeDocument/2006/customXml" ds:itemID="{54EBA524-2760-42B5-B6ED-80AA7A8E66FF}">
   <ds:schemaRefs>
     <ds:schemaRef ds:uri="http://schemas.microsoft.com/VisualStudio/2011/storyboarding/control"/>
   </ds:schemaRefs>
